--- a/word/答辩.pptx
+++ b/word/答辩.pptx
@@ -8,6 +8,14 @@
     <p:sldId id="256" r:id="rId2"/>
     <p:sldId id="257" r:id="rId3"/>
     <p:sldId id="258" r:id="rId4"/>
+    <p:sldId id="259" r:id="rId5"/>
+    <p:sldId id="260" r:id="rId6"/>
+    <p:sldId id="261" r:id="rId7"/>
+    <p:sldId id="262" r:id="rId8"/>
+    <p:sldId id="263" r:id="rId9"/>
+    <p:sldId id="264" r:id="rId10"/>
+    <p:sldId id="265" r:id="rId11"/>
+    <p:sldId id="266" r:id="rId12"/>
   </p:sldIdLst>
   <p:sldSz cx="12192000" cy="6858000"/>
   <p:notesSz cx="6858000" cy="9144000"/>
@@ -106,6 +114,11 @@
       </a:defRPr>
     </a:lvl9pPr>
   </p:defaultTextStyle>
+  <p:extLst>
+    <p:ext uri="{EFAFB233-063F-42B5-8137-9DF3F51BA10A}">
+      <p15:sldGuideLst xmlns:p15="http://schemas.microsoft.com/office/powerpoint/2012/main"/>
+    </p:ext>
+  </p:extLst>
 </p:presentation>
 </file>
 
@@ -260,7 +273,7 @@
           <a:p>
             <a:fld id="{F3827790-236D-432A-95F3-B77364E4F7B0}" type="datetimeFigureOut">
               <a:rPr lang="zh-CN" altLang="en-US" smtClean="0"/>
-              <a:t>2018/06/05</a:t>
+              <a:t>2018/06/06</a:t>
             </a:fld>
             <a:endParaRPr lang="zh-CN" altLang="en-US"/>
           </a:p>
@@ -458,7 +471,7 @@
           <a:p>
             <a:fld id="{F3827790-236D-432A-95F3-B77364E4F7B0}" type="datetimeFigureOut">
               <a:rPr lang="zh-CN" altLang="en-US" smtClean="0"/>
-              <a:t>2018/06/05</a:t>
+              <a:t>2018/06/06</a:t>
             </a:fld>
             <a:endParaRPr lang="zh-CN" altLang="en-US"/>
           </a:p>
@@ -666,7 +679,7 @@
           <a:p>
             <a:fld id="{F3827790-236D-432A-95F3-B77364E4F7B0}" type="datetimeFigureOut">
               <a:rPr lang="zh-CN" altLang="en-US" smtClean="0"/>
-              <a:t>2018/06/05</a:t>
+              <a:t>2018/06/06</a:t>
             </a:fld>
             <a:endParaRPr lang="zh-CN" altLang="en-US"/>
           </a:p>
@@ -864,7 +877,7 @@
           <a:p>
             <a:fld id="{F3827790-236D-432A-95F3-B77364E4F7B0}" type="datetimeFigureOut">
               <a:rPr lang="zh-CN" altLang="en-US" smtClean="0"/>
-              <a:t>2018/06/05</a:t>
+              <a:t>2018/06/06</a:t>
             </a:fld>
             <a:endParaRPr lang="zh-CN" altLang="en-US"/>
           </a:p>
@@ -1139,7 +1152,7 @@
           <a:p>
             <a:fld id="{F3827790-236D-432A-95F3-B77364E4F7B0}" type="datetimeFigureOut">
               <a:rPr lang="zh-CN" altLang="en-US" smtClean="0"/>
-              <a:t>2018/06/05</a:t>
+              <a:t>2018/06/06</a:t>
             </a:fld>
             <a:endParaRPr lang="zh-CN" altLang="en-US"/>
           </a:p>
@@ -1404,7 +1417,7 @@
           <a:p>
             <a:fld id="{F3827790-236D-432A-95F3-B77364E4F7B0}" type="datetimeFigureOut">
               <a:rPr lang="zh-CN" altLang="en-US" smtClean="0"/>
-              <a:t>2018/06/05</a:t>
+              <a:t>2018/06/06</a:t>
             </a:fld>
             <a:endParaRPr lang="zh-CN" altLang="en-US"/>
           </a:p>
@@ -1816,7 +1829,7 @@
           <a:p>
             <a:fld id="{F3827790-236D-432A-95F3-B77364E4F7B0}" type="datetimeFigureOut">
               <a:rPr lang="zh-CN" altLang="en-US" smtClean="0"/>
-              <a:t>2018/06/05</a:t>
+              <a:t>2018/06/06</a:t>
             </a:fld>
             <a:endParaRPr lang="zh-CN" altLang="en-US"/>
           </a:p>
@@ -1957,7 +1970,7 @@
           <a:p>
             <a:fld id="{F3827790-236D-432A-95F3-B77364E4F7B0}" type="datetimeFigureOut">
               <a:rPr lang="zh-CN" altLang="en-US" smtClean="0"/>
-              <a:t>2018/06/05</a:t>
+              <a:t>2018/06/06</a:t>
             </a:fld>
             <a:endParaRPr lang="zh-CN" altLang="en-US"/>
           </a:p>
@@ -2070,7 +2083,7 @@
           <a:p>
             <a:fld id="{F3827790-236D-432A-95F3-B77364E4F7B0}" type="datetimeFigureOut">
               <a:rPr lang="zh-CN" altLang="en-US" smtClean="0"/>
-              <a:t>2018/06/05</a:t>
+              <a:t>2018/06/06</a:t>
             </a:fld>
             <a:endParaRPr lang="zh-CN" altLang="en-US"/>
           </a:p>
@@ -2381,7 +2394,7 @@
           <a:p>
             <a:fld id="{F3827790-236D-432A-95F3-B77364E4F7B0}" type="datetimeFigureOut">
               <a:rPr lang="zh-CN" altLang="en-US" smtClean="0"/>
-              <a:t>2018/06/05</a:t>
+              <a:t>2018/06/06</a:t>
             </a:fld>
             <a:endParaRPr lang="zh-CN" altLang="en-US"/>
           </a:p>
@@ -2669,7 +2682,7 @@
           <a:p>
             <a:fld id="{F3827790-236D-432A-95F3-B77364E4F7B0}" type="datetimeFigureOut">
               <a:rPr lang="zh-CN" altLang="en-US" smtClean="0"/>
-              <a:t>2018/06/05</a:t>
+              <a:t>2018/06/06</a:t>
             </a:fld>
             <a:endParaRPr lang="zh-CN" altLang="en-US"/>
           </a:p>
@@ -2910,7 +2923,7 @@
           <a:p>
             <a:fld id="{F3827790-236D-432A-95F3-B77364E4F7B0}" type="datetimeFigureOut">
               <a:rPr lang="zh-CN" altLang="en-US" smtClean="0"/>
-              <a:t>2018/06/05</a:t>
+              <a:t>2018/06/06</a:t>
             </a:fld>
             <a:endParaRPr lang="zh-CN" altLang="en-US"/>
           </a:p>
@@ -3417,6 +3430,184 @@
 </p:sld>
 </file>
 
+<file path=ppt/slides/slide10.xml><?xml version="1.0" encoding="utf-8"?>
+<p:sld xmlns:a="http://schemas.openxmlformats.org/drawingml/2006/main" xmlns:r="http://schemas.openxmlformats.org/officeDocument/2006/relationships" xmlns:p="http://schemas.openxmlformats.org/presentationml/2006/main">
+  <p:cSld>
+    <p:spTree>
+      <p:nvGrpSpPr>
+        <p:cNvPr id="1" name=""/>
+        <p:cNvGrpSpPr/>
+        <p:nvPr/>
+      </p:nvGrpSpPr>
+      <p:grpSpPr>
+        <a:xfrm>
+          <a:off x="0" y="0"/>
+          <a:ext cx="0" cy="0"/>
+          <a:chOff x="0" y="0"/>
+          <a:chExt cx="0" cy="0"/>
+        </a:xfrm>
+      </p:grpSpPr>
+      <p:sp>
+        <p:nvSpPr>
+          <p:cNvPr id="2" name="标题 1">
+            <a:extLst>
+              <a:ext uri="{FF2B5EF4-FFF2-40B4-BE49-F238E27FC236}">
+                <a16:creationId xmlns:a16="http://schemas.microsoft.com/office/drawing/2014/main" id="{BEF2D05E-B10A-4C40-91C7-C315404EAEB1}"/>
+              </a:ext>
+            </a:extLst>
+          </p:cNvPr>
+          <p:cNvSpPr>
+            <a:spLocks noGrp="1"/>
+          </p:cNvSpPr>
+          <p:nvPr>
+            <p:ph type="title"/>
+          </p:nvPr>
+        </p:nvSpPr>
+        <p:spPr/>
+        <p:txBody>
+          <a:bodyPr/>
+          <a:lstStyle/>
+          <a:p>
+            <a:pPr algn="ctr"/>
+            <a:r>
+              <a:rPr lang="zh-CN" altLang="en-US" dirty="0"/>
+              <a:t>关于</a:t>
+            </a:r>
+            <a:r>
+              <a:rPr lang="en-US" altLang="zh-CN" dirty="0" err="1"/>
+              <a:t>D3</a:t>
+            </a:r>
+            <a:endParaRPr lang="zh-CN" altLang="en-US" dirty="0"/>
+          </a:p>
+        </p:txBody>
+      </p:sp>
+      <p:sp>
+        <p:nvSpPr>
+          <p:cNvPr id="3" name="内容占位符 2">
+            <a:extLst>
+              <a:ext uri="{FF2B5EF4-FFF2-40B4-BE49-F238E27FC236}">
+                <a16:creationId xmlns:a16="http://schemas.microsoft.com/office/drawing/2014/main" id="{7252D1A2-4DA7-4942-A33B-13295B63958D}"/>
+              </a:ext>
+            </a:extLst>
+          </p:cNvPr>
+          <p:cNvSpPr>
+            <a:spLocks noGrp="1"/>
+          </p:cNvSpPr>
+          <p:nvPr>
+            <p:ph idx="1"/>
+          </p:nvPr>
+        </p:nvSpPr>
+        <p:spPr/>
+        <p:txBody>
+          <a:bodyPr/>
+          <a:lstStyle/>
+          <a:p>
+            <a:endParaRPr lang="zh-CN" altLang="en-US" dirty="0"/>
+          </a:p>
+        </p:txBody>
+      </p:sp>
+    </p:spTree>
+    <p:extLst>
+      <p:ext uri="{BB962C8B-B14F-4D97-AF65-F5344CB8AC3E}">
+        <p14:creationId xmlns:p14="http://schemas.microsoft.com/office/powerpoint/2010/main" val="3678224999"/>
+      </p:ext>
+    </p:extLst>
+  </p:cSld>
+  <p:clrMapOvr>
+    <a:masterClrMapping/>
+  </p:clrMapOvr>
+</p:sld>
+</file>
+
+<file path=ppt/slides/slide11.xml><?xml version="1.0" encoding="utf-8"?>
+<p:sld xmlns:a="http://schemas.openxmlformats.org/drawingml/2006/main" xmlns:r="http://schemas.openxmlformats.org/officeDocument/2006/relationships" xmlns:p="http://schemas.openxmlformats.org/presentationml/2006/main">
+  <p:cSld>
+    <p:spTree>
+      <p:nvGrpSpPr>
+        <p:cNvPr id="1" name=""/>
+        <p:cNvGrpSpPr/>
+        <p:nvPr/>
+      </p:nvGrpSpPr>
+      <p:grpSpPr>
+        <a:xfrm>
+          <a:off x="0" y="0"/>
+          <a:ext cx="0" cy="0"/>
+          <a:chOff x="0" y="0"/>
+          <a:chExt cx="0" cy="0"/>
+        </a:xfrm>
+      </p:grpSpPr>
+      <p:sp>
+        <p:nvSpPr>
+          <p:cNvPr id="2" name="标题 1">
+            <a:extLst>
+              <a:ext uri="{FF2B5EF4-FFF2-40B4-BE49-F238E27FC236}">
+                <a16:creationId xmlns:a16="http://schemas.microsoft.com/office/drawing/2014/main" id="{A3C889FA-53FE-4D7F-9EDD-3817CAE7972C}"/>
+              </a:ext>
+            </a:extLst>
+          </p:cNvPr>
+          <p:cNvSpPr>
+            <a:spLocks noGrp="1"/>
+          </p:cNvSpPr>
+          <p:nvPr>
+            <p:ph type="title"/>
+          </p:nvPr>
+        </p:nvSpPr>
+        <p:spPr/>
+        <p:txBody>
+          <a:bodyPr/>
+          <a:lstStyle/>
+          <a:p>
+            <a:pPr algn="ctr"/>
+            <a:r>
+              <a:rPr lang="zh-CN" altLang="en-US" dirty="0"/>
+              <a:t>关于</a:t>
+            </a:r>
+            <a:r>
+              <a:rPr lang="en-US" altLang="zh-CN" dirty="0"/>
+              <a:t>MongoDB</a:t>
+            </a:r>
+            <a:endParaRPr lang="zh-CN" altLang="en-US" dirty="0"/>
+          </a:p>
+        </p:txBody>
+      </p:sp>
+      <p:sp>
+        <p:nvSpPr>
+          <p:cNvPr id="3" name="内容占位符 2">
+            <a:extLst>
+              <a:ext uri="{FF2B5EF4-FFF2-40B4-BE49-F238E27FC236}">
+                <a16:creationId xmlns:a16="http://schemas.microsoft.com/office/drawing/2014/main" id="{77330E90-D54B-48D1-A454-88357801B0FE}"/>
+              </a:ext>
+            </a:extLst>
+          </p:cNvPr>
+          <p:cNvSpPr>
+            <a:spLocks noGrp="1"/>
+          </p:cNvSpPr>
+          <p:nvPr>
+            <p:ph idx="1"/>
+          </p:nvPr>
+        </p:nvSpPr>
+        <p:spPr/>
+        <p:txBody>
+          <a:bodyPr/>
+          <a:lstStyle/>
+          <a:p>
+            <a:endParaRPr lang="zh-CN" altLang="en-US"/>
+          </a:p>
+        </p:txBody>
+      </p:sp>
+    </p:spTree>
+    <p:extLst>
+      <p:ext uri="{BB962C8B-B14F-4D97-AF65-F5344CB8AC3E}">
+        <p14:creationId xmlns:p14="http://schemas.microsoft.com/office/powerpoint/2010/main" val="2101830687"/>
+      </p:ext>
+    </p:extLst>
+  </p:cSld>
+  <p:clrMapOvr>
+    <a:masterClrMapping/>
+  </p:clrMapOvr>
+</p:sld>
+</file>
+
 <file path=ppt/slides/slide2.xml><?xml version="1.0" encoding="utf-8"?>
 <p:sld xmlns:a="http://schemas.openxmlformats.org/drawingml/2006/main" xmlns:r="http://schemas.openxmlformats.org/officeDocument/2006/relationships" xmlns:p="http://schemas.openxmlformats.org/presentationml/2006/main">
   <p:cSld>
@@ -3620,7 +3811,7 @@
           <a:p>
             <a:pPr algn="ctr"/>
             <a:r>
-              <a:rPr lang="zh-CN" altLang="en-US"/>
+              <a:rPr lang="zh-CN" altLang="en-US" dirty="0"/>
               <a:t>数据来源</a:t>
             </a:r>
           </a:p>
@@ -3647,7 +3838,83 @@
           <a:bodyPr/>
           <a:lstStyle/>
           <a:p>
-            <a:endParaRPr lang="zh-CN" altLang="en-US"/>
+            <a:pPr>
+              <a:lnSpc>
+                <a:spcPct val="150000"/>
+              </a:lnSpc>
+            </a:pPr>
+            <a:r>
+              <a:rPr lang="zh-CN" altLang="en-US" dirty="0"/>
+              <a:t>网易云音乐官方后台</a:t>
+            </a:r>
+            <a:r>
+              <a:rPr lang="en-US" altLang="zh-CN" dirty="0"/>
+              <a:t>API</a:t>
+            </a:r>
+            <a:r>
+              <a:rPr lang="zh-CN" altLang="en-US" dirty="0"/>
+              <a:t>调用</a:t>
+            </a:r>
+            <a:endParaRPr lang="en-US" altLang="zh-CN" dirty="0"/>
+          </a:p>
+          <a:p>
+            <a:pPr>
+              <a:lnSpc>
+                <a:spcPct val="150000"/>
+              </a:lnSpc>
+            </a:pPr>
+            <a:r>
+              <a:rPr lang="zh-CN" altLang="en-US" dirty="0"/>
+              <a:t>需要应对网易云音乐的反爬虫措施</a:t>
+            </a:r>
+            <a:endParaRPr lang="en-US" altLang="zh-CN" dirty="0"/>
+          </a:p>
+          <a:p>
+            <a:pPr>
+              <a:lnSpc>
+                <a:spcPct val="150000"/>
+              </a:lnSpc>
+            </a:pPr>
+            <a:r>
+              <a:rPr lang="zh-CN" altLang="en-US" dirty="0"/>
+              <a:t>自己编写了一个简单的</a:t>
+            </a:r>
+            <a:r>
+              <a:rPr lang="en-US" altLang="zh-CN" dirty="0"/>
+              <a:t>HTTP</a:t>
+            </a:r>
+            <a:r>
+              <a:rPr lang="zh-CN" altLang="en-US" dirty="0"/>
+              <a:t>代理程序</a:t>
+            </a:r>
+            <a:endParaRPr lang="en-US" altLang="zh-CN" dirty="0"/>
+          </a:p>
+          <a:p>
+            <a:pPr>
+              <a:lnSpc>
+                <a:spcPct val="150000"/>
+              </a:lnSpc>
+            </a:pPr>
+            <a:r>
+              <a:rPr lang="zh-CN" altLang="en-US" dirty="0"/>
+              <a:t>自己搭建代理服务器集群</a:t>
+            </a:r>
+            <a:endParaRPr lang="en-US" altLang="zh-CN" dirty="0"/>
+          </a:p>
+          <a:p>
+            <a:pPr>
+              <a:lnSpc>
+                <a:spcPct val="150000"/>
+              </a:lnSpc>
+            </a:pPr>
+            <a:r>
+              <a:rPr lang="en-US" altLang="zh-CN" dirty="0"/>
+              <a:t>Node.js</a:t>
+            </a:r>
+            <a:r>
+              <a:rPr lang="zh-CN" altLang="en-US" dirty="0"/>
+              <a:t>基于事件循环的单线程并发</a:t>
+            </a:r>
           </a:p>
         </p:txBody>
       </p:sp>
@@ -3655,6 +3922,667 @@
     <p:extLst>
       <p:ext uri="{BB962C8B-B14F-4D97-AF65-F5344CB8AC3E}">
         <p14:creationId xmlns:p14="http://schemas.microsoft.com/office/powerpoint/2010/main" val="1211860380"/>
+      </p:ext>
+    </p:extLst>
+  </p:cSld>
+  <p:clrMapOvr>
+    <a:masterClrMapping/>
+  </p:clrMapOvr>
+</p:sld>
+</file>
+
+<file path=ppt/slides/slide4.xml><?xml version="1.0" encoding="utf-8"?>
+<p:sld xmlns:a="http://schemas.openxmlformats.org/drawingml/2006/main" xmlns:r="http://schemas.openxmlformats.org/officeDocument/2006/relationships" xmlns:p="http://schemas.openxmlformats.org/presentationml/2006/main">
+  <p:cSld>
+    <p:spTree>
+      <p:nvGrpSpPr>
+        <p:cNvPr id="1" name=""/>
+        <p:cNvGrpSpPr/>
+        <p:nvPr/>
+      </p:nvGrpSpPr>
+      <p:grpSpPr>
+        <a:xfrm>
+          <a:off x="0" y="0"/>
+          <a:ext cx="0" cy="0"/>
+          <a:chOff x="0" y="0"/>
+          <a:chExt cx="0" cy="0"/>
+        </a:xfrm>
+      </p:grpSpPr>
+      <p:sp>
+        <p:nvSpPr>
+          <p:cNvPr id="2" name="标题 1">
+            <a:extLst>
+              <a:ext uri="{FF2B5EF4-FFF2-40B4-BE49-F238E27FC236}">
+                <a16:creationId xmlns:a16="http://schemas.microsoft.com/office/drawing/2014/main" id="{1DB2B6BB-43E8-49FB-A0B4-260EE52251C7}"/>
+              </a:ext>
+            </a:extLst>
+          </p:cNvPr>
+          <p:cNvSpPr>
+            <a:spLocks noGrp="1"/>
+          </p:cNvSpPr>
+          <p:nvPr>
+            <p:ph type="title"/>
+          </p:nvPr>
+        </p:nvSpPr>
+        <p:spPr/>
+        <p:txBody>
+          <a:bodyPr/>
+          <a:lstStyle/>
+          <a:p>
+            <a:pPr algn="ctr"/>
+            <a:r>
+              <a:rPr lang="zh-CN" altLang="en-US" dirty="0"/>
+              <a:t>数据存储与分析</a:t>
+            </a:r>
+          </a:p>
+        </p:txBody>
+      </p:sp>
+      <p:sp>
+        <p:nvSpPr>
+          <p:cNvPr id="3" name="内容占位符 2">
+            <a:extLst>
+              <a:ext uri="{FF2B5EF4-FFF2-40B4-BE49-F238E27FC236}">
+                <a16:creationId xmlns:a16="http://schemas.microsoft.com/office/drawing/2014/main" id="{3C8B9CF9-4078-4BA3-9E80-8E4C71CE8146}"/>
+              </a:ext>
+            </a:extLst>
+          </p:cNvPr>
+          <p:cNvSpPr>
+            <a:spLocks noGrp="1"/>
+          </p:cNvSpPr>
+          <p:nvPr>
+            <p:ph idx="1"/>
+          </p:nvPr>
+        </p:nvSpPr>
+        <p:spPr/>
+        <p:txBody>
+          <a:bodyPr/>
+          <a:lstStyle/>
+          <a:p>
+            <a:pPr>
+              <a:lnSpc>
+                <a:spcPct val="150000"/>
+              </a:lnSpc>
+            </a:pPr>
+            <a:r>
+              <a:rPr lang="zh-CN" altLang="en-US" dirty="0"/>
+              <a:t>数据存储在</a:t>
+            </a:r>
+            <a:r>
+              <a:rPr lang="en-US" altLang="zh-CN" dirty="0"/>
+              <a:t>MongoDB</a:t>
+            </a:r>
+            <a:r>
+              <a:rPr lang="zh-CN" altLang="en-US" dirty="0"/>
+              <a:t>数据库中</a:t>
+            </a:r>
+            <a:endParaRPr lang="en-US" altLang="zh-CN" dirty="0"/>
+          </a:p>
+          <a:p>
+            <a:pPr>
+              <a:lnSpc>
+                <a:spcPct val="150000"/>
+              </a:lnSpc>
+            </a:pPr>
+            <a:r>
+              <a:rPr lang="zh-CN" altLang="en-US" dirty="0"/>
+              <a:t>根据需要执行的查询建立索引来进行优化</a:t>
+            </a:r>
+            <a:endParaRPr lang="en-US" altLang="zh-CN" dirty="0"/>
+          </a:p>
+          <a:p>
+            <a:pPr>
+              <a:lnSpc>
+                <a:spcPct val="150000"/>
+              </a:lnSpc>
+            </a:pPr>
+            <a:r>
+              <a:rPr lang="zh-CN" altLang="en-US" dirty="0"/>
+              <a:t>通过编写程序来执行数据的查询和分析</a:t>
+            </a:r>
+            <a:endParaRPr lang="en-US" altLang="zh-CN" dirty="0"/>
+          </a:p>
+          <a:p>
+            <a:pPr>
+              <a:lnSpc>
+                <a:spcPct val="150000"/>
+              </a:lnSpc>
+            </a:pPr>
+            <a:r>
+              <a:rPr lang="zh-CN" altLang="en-US" dirty="0"/>
+              <a:t>分析之后的数据存储在</a:t>
+            </a:r>
+            <a:r>
+              <a:rPr lang="en-US" altLang="zh-CN" dirty="0"/>
+              <a:t>JSON</a:t>
+            </a:r>
+            <a:r>
+              <a:rPr lang="zh-CN" altLang="en-US" dirty="0"/>
+              <a:t>文件中，可以在可视化时载入并解析和使用</a:t>
+            </a:r>
+          </a:p>
+        </p:txBody>
+      </p:sp>
+    </p:spTree>
+    <p:extLst>
+      <p:ext uri="{BB962C8B-B14F-4D97-AF65-F5344CB8AC3E}">
+        <p14:creationId xmlns:p14="http://schemas.microsoft.com/office/powerpoint/2010/main" val="456617292"/>
+      </p:ext>
+    </p:extLst>
+  </p:cSld>
+  <p:clrMapOvr>
+    <a:masterClrMapping/>
+  </p:clrMapOvr>
+</p:sld>
+</file>
+
+<file path=ppt/slides/slide5.xml><?xml version="1.0" encoding="utf-8"?>
+<p:sld xmlns:a="http://schemas.openxmlformats.org/drawingml/2006/main" xmlns:r="http://schemas.openxmlformats.org/officeDocument/2006/relationships" xmlns:p="http://schemas.openxmlformats.org/presentationml/2006/main">
+  <p:cSld>
+    <p:spTree>
+      <p:nvGrpSpPr>
+        <p:cNvPr id="1" name=""/>
+        <p:cNvGrpSpPr/>
+        <p:nvPr/>
+      </p:nvGrpSpPr>
+      <p:grpSpPr>
+        <a:xfrm>
+          <a:off x="0" y="0"/>
+          <a:ext cx="0" cy="0"/>
+          <a:chOff x="0" y="0"/>
+          <a:chExt cx="0" cy="0"/>
+        </a:xfrm>
+      </p:grpSpPr>
+      <p:sp>
+        <p:nvSpPr>
+          <p:cNvPr id="2" name="标题 1">
+            <a:extLst>
+              <a:ext uri="{FF2B5EF4-FFF2-40B4-BE49-F238E27FC236}">
+                <a16:creationId xmlns:a16="http://schemas.microsoft.com/office/drawing/2014/main" id="{461A31DD-C4CB-40C8-AB36-1506958B87E3}"/>
+              </a:ext>
+            </a:extLst>
+          </p:cNvPr>
+          <p:cNvSpPr>
+            <a:spLocks noGrp="1"/>
+          </p:cNvSpPr>
+          <p:nvPr>
+            <p:ph type="title"/>
+          </p:nvPr>
+        </p:nvSpPr>
+        <p:spPr/>
+        <p:txBody>
+          <a:bodyPr/>
+          <a:lstStyle/>
+          <a:p>
+            <a:pPr algn="ctr"/>
+            <a:r>
+              <a:rPr lang="zh-CN" altLang="en-US" dirty="0"/>
+              <a:t>数据的可视化</a:t>
+            </a:r>
+          </a:p>
+        </p:txBody>
+      </p:sp>
+      <p:sp>
+        <p:nvSpPr>
+          <p:cNvPr id="3" name="内容占位符 2">
+            <a:extLst>
+              <a:ext uri="{FF2B5EF4-FFF2-40B4-BE49-F238E27FC236}">
+                <a16:creationId xmlns:a16="http://schemas.microsoft.com/office/drawing/2014/main" id="{1588A63F-4EED-40D4-80BA-D24F6181DF0B}"/>
+              </a:ext>
+            </a:extLst>
+          </p:cNvPr>
+          <p:cNvSpPr>
+            <a:spLocks noGrp="1"/>
+          </p:cNvSpPr>
+          <p:nvPr>
+            <p:ph idx="1"/>
+          </p:nvPr>
+        </p:nvSpPr>
+        <p:spPr/>
+        <p:txBody>
+          <a:bodyPr/>
+          <a:lstStyle/>
+          <a:p>
+            <a:pPr>
+              <a:lnSpc>
+                <a:spcPct val="150000"/>
+              </a:lnSpc>
+            </a:pPr>
+            <a:r>
+              <a:rPr lang="zh-CN" altLang="en-US" dirty="0"/>
+              <a:t>使用</a:t>
+            </a:r>
+            <a:r>
+              <a:rPr lang="en-US" altLang="zh-CN" dirty="0" err="1"/>
+              <a:t>D3</a:t>
+            </a:r>
+            <a:r>
+              <a:rPr lang="zh-CN" altLang="en-US" dirty="0"/>
+              <a:t>作为基本框架</a:t>
+            </a:r>
+            <a:endParaRPr lang="en-US" altLang="zh-CN" dirty="0"/>
+          </a:p>
+          <a:p>
+            <a:pPr>
+              <a:lnSpc>
+                <a:spcPct val="150000"/>
+              </a:lnSpc>
+            </a:pPr>
+            <a:r>
+              <a:rPr lang="zh-CN" altLang="en-US" dirty="0"/>
+              <a:t>借助</a:t>
+            </a:r>
+            <a:r>
+              <a:rPr lang="en-US" altLang="zh-CN" dirty="0" err="1"/>
+              <a:t>D3</a:t>
+            </a:r>
+            <a:r>
+              <a:rPr lang="zh-CN" altLang="en-US" dirty="0"/>
+              <a:t>实现基于地图的可视化</a:t>
+            </a:r>
+            <a:endParaRPr lang="en-US" altLang="zh-CN" dirty="0"/>
+          </a:p>
+          <a:p>
+            <a:pPr>
+              <a:lnSpc>
+                <a:spcPct val="150000"/>
+              </a:lnSpc>
+            </a:pPr>
+            <a:r>
+              <a:rPr lang="zh-CN" altLang="en-US" dirty="0"/>
+              <a:t>通过</a:t>
+            </a:r>
+            <a:r>
+              <a:rPr lang="en-US" altLang="zh-CN" dirty="0"/>
+              <a:t>JavaScript</a:t>
+            </a:r>
+            <a:r>
+              <a:rPr lang="zh-CN" altLang="en-US" dirty="0"/>
+              <a:t>添加可视化交互</a:t>
+            </a:r>
+            <a:endParaRPr lang="en-US" altLang="zh-CN" dirty="0"/>
+          </a:p>
+          <a:p>
+            <a:pPr>
+              <a:lnSpc>
+                <a:spcPct val="150000"/>
+              </a:lnSpc>
+            </a:pPr>
+            <a:r>
+              <a:rPr lang="zh-CN" altLang="en-US" dirty="0"/>
+              <a:t>通过载入之前存储在</a:t>
+            </a:r>
+            <a:r>
+              <a:rPr lang="en-US" altLang="zh-CN" dirty="0"/>
+              <a:t>JSON</a:t>
+            </a:r>
+            <a:r>
+              <a:rPr lang="zh-CN" altLang="en-US" dirty="0"/>
+              <a:t>中的分析数据来获取可视化所需的数据</a:t>
+            </a:r>
+          </a:p>
+        </p:txBody>
+      </p:sp>
+    </p:spTree>
+    <p:extLst>
+      <p:ext uri="{BB962C8B-B14F-4D97-AF65-F5344CB8AC3E}">
+        <p14:creationId xmlns:p14="http://schemas.microsoft.com/office/powerpoint/2010/main" val="4265517605"/>
+      </p:ext>
+    </p:extLst>
+  </p:cSld>
+  <p:clrMapOvr>
+    <a:masterClrMapping/>
+  </p:clrMapOvr>
+</p:sld>
+</file>
+
+<file path=ppt/slides/slide6.xml><?xml version="1.0" encoding="utf-8"?>
+<p:sld xmlns:a="http://schemas.openxmlformats.org/drawingml/2006/main" xmlns:r="http://schemas.openxmlformats.org/officeDocument/2006/relationships" xmlns:p="http://schemas.openxmlformats.org/presentationml/2006/main">
+  <p:cSld>
+    <p:spTree>
+      <p:nvGrpSpPr>
+        <p:cNvPr id="1" name=""/>
+        <p:cNvGrpSpPr/>
+        <p:nvPr/>
+      </p:nvGrpSpPr>
+      <p:grpSpPr>
+        <a:xfrm>
+          <a:off x="0" y="0"/>
+          <a:ext cx="0" cy="0"/>
+          <a:chOff x="0" y="0"/>
+          <a:chExt cx="0" cy="0"/>
+        </a:xfrm>
+      </p:grpSpPr>
+      <p:sp>
+        <p:nvSpPr>
+          <p:cNvPr id="2" name="标题 1">
+            <a:extLst>
+              <a:ext uri="{FF2B5EF4-FFF2-40B4-BE49-F238E27FC236}">
+                <a16:creationId xmlns:a16="http://schemas.microsoft.com/office/drawing/2014/main" id="{FE2AB0AB-BDD5-42B2-B963-4F2A0DC78526}"/>
+              </a:ext>
+            </a:extLst>
+          </p:cNvPr>
+          <p:cNvSpPr>
+            <a:spLocks noGrp="1"/>
+          </p:cNvSpPr>
+          <p:nvPr>
+            <p:ph type="title"/>
+          </p:nvPr>
+        </p:nvSpPr>
+        <p:spPr/>
+        <p:txBody>
+          <a:bodyPr/>
+          <a:lstStyle/>
+          <a:p>
+            <a:pPr algn="ctr"/>
+            <a:r>
+              <a:rPr lang="zh-CN" altLang="en-US" dirty="0"/>
+              <a:t>可视化的结果</a:t>
+            </a:r>
+          </a:p>
+        </p:txBody>
+      </p:sp>
+      <p:sp>
+        <p:nvSpPr>
+          <p:cNvPr id="3" name="内容占位符 2">
+            <a:extLst>
+              <a:ext uri="{FF2B5EF4-FFF2-40B4-BE49-F238E27FC236}">
+                <a16:creationId xmlns:a16="http://schemas.microsoft.com/office/drawing/2014/main" id="{7A6F93C5-39DE-4F67-8FD1-D6B47299200D}"/>
+              </a:ext>
+            </a:extLst>
+          </p:cNvPr>
+          <p:cNvSpPr>
+            <a:spLocks noGrp="1"/>
+          </p:cNvSpPr>
+          <p:nvPr>
+            <p:ph idx="1"/>
+          </p:nvPr>
+        </p:nvSpPr>
+        <p:spPr>
+          <a:xfrm>
+            <a:off x="838200" y="3743202"/>
+            <a:ext cx="10515600" cy="482569"/>
+          </a:xfrm>
+        </p:spPr>
+        <p:txBody>
+          <a:bodyPr/>
+          <a:lstStyle/>
+          <a:p>
+            <a:pPr marL="0" indent="0" algn="ctr">
+              <a:buNone/>
+            </a:pPr>
+            <a:r>
+              <a:rPr lang="zh-CN" altLang="en-US" dirty="0"/>
+              <a:t>请看网页演示</a:t>
+            </a:r>
+          </a:p>
+        </p:txBody>
+      </p:sp>
+    </p:spTree>
+    <p:extLst>
+      <p:ext uri="{BB962C8B-B14F-4D97-AF65-F5344CB8AC3E}">
+        <p14:creationId xmlns:p14="http://schemas.microsoft.com/office/powerpoint/2010/main" val="2958620187"/>
+      </p:ext>
+    </p:extLst>
+  </p:cSld>
+  <p:clrMapOvr>
+    <a:masterClrMapping/>
+  </p:clrMapOvr>
+</p:sld>
+</file>
+
+<file path=ppt/slides/slide7.xml><?xml version="1.0" encoding="utf-8"?>
+<p:sld xmlns:a="http://schemas.openxmlformats.org/drawingml/2006/main" xmlns:r="http://schemas.openxmlformats.org/officeDocument/2006/relationships" xmlns:p="http://schemas.openxmlformats.org/presentationml/2006/main">
+  <p:cSld>
+    <p:spTree>
+      <p:nvGrpSpPr>
+        <p:cNvPr id="1" name=""/>
+        <p:cNvGrpSpPr/>
+        <p:nvPr/>
+      </p:nvGrpSpPr>
+      <p:grpSpPr>
+        <a:xfrm>
+          <a:off x="0" y="0"/>
+          <a:ext cx="0" cy="0"/>
+          <a:chOff x="0" y="0"/>
+          <a:chExt cx="0" cy="0"/>
+        </a:xfrm>
+      </p:grpSpPr>
+      <p:sp>
+        <p:nvSpPr>
+          <p:cNvPr id="2" name="标题 1">
+            <a:extLst>
+              <a:ext uri="{FF2B5EF4-FFF2-40B4-BE49-F238E27FC236}">
+                <a16:creationId xmlns:a16="http://schemas.microsoft.com/office/drawing/2014/main" id="{30DDA656-DCEA-43D2-BAEE-508553D6FDBF}"/>
+              </a:ext>
+            </a:extLst>
+          </p:cNvPr>
+          <p:cNvSpPr>
+            <a:spLocks noGrp="1"/>
+          </p:cNvSpPr>
+          <p:nvPr>
+            <p:ph type="title"/>
+          </p:nvPr>
+        </p:nvSpPr>
+        <p:spPr/>
+        <p:txBody>
+          <a:bodyPr/>
+          <a:lstStyle/>
+          <a:p>
+            <a:pPr algn="ctr"/>
+            <a:r>
+              <a:rPr lang="zh-CN" altLang="en-US" dirty="0"/>
+              <a:t>关于</a:t>
+            </a:r>
+            <a:r>
+              <a:rPr lang="en-US" altLang="zh-CN" dirty="0" err="1"/>
+              <a:t>Node.JS</a:t>
+            </a:r>
+            <a:endParaRPr lang="zh-CN" altLang="en-US" dirty="0"/>
+          </a:p>
+        </p:txBody>
+      </p:sp>
+      <p:sp>
+        <p:nvSpPr>
+          <p:cNvPr id="3" name="内容占位符 2">
+            <a:extLst>
+              <a:ext uri="{FF2B5EF4-FFF2-40B4-BE49-F238E27FC236}">
+                <a16:creationId xmlns:a16="http://schemas.microsoft.com/office/drawing/2014/main" id="{3F6FB62A-144C-4381-A129-1A0DD74ACAA0}"/>
+              </a:ext>
+            </a:extLst>
+          </p:cNvPr>
+          <p:cNvSpPr>
+            <a:spLocks noGrp="1"/>
+          </p:cNvSpPr>
+          <p:nvPr>
+            <p:ph idx="1"/>
+          </p:nvPr>
+        </p:nvSpPr>
+        <p:spPr/>
+        <p:txBody>
+          <a:bodyPr/>
+          <a:lstStyle/>
+          <a:p>
+            <a:endParaRPr lang="zh-CN" altLang="en-US" dirty="0"/>
+          </a:p>
+        </p:txBody>
+      </p:sp>
+    </p:spTree>
+    <p:extLst>
+      <p:ext uri="{BB962C8B-B14F-4D97-AF65-F5344CB8AC3E}">
+        <p14:creationId xmlns:p14="http://schemas.microsoft.com/office/powerpoint/2010/main" val="630363396"/>
+      </p:ext>
+    </p:extLst>
+  </p:cSld>
+  <p:clrMapOvr>
+    <a:masterClrMapping/>
+  </p:clrMapOvr>
+</p:sld>
+</file>
+
+<file path=ppt/slides/slide8.xml><?xml version="1.0" encoding="utf-8"?>
+<p:sld xmlns:a="http://schemas.openxmlformats.org/drawingml/2006/main" xmlns:r="http://schemas.openxmlformats.org/officeDocument/2006/relationships" xmlns:p="http://schemas.openxmlformats.org/presentationml/2006/main">
+  <p:cSld>
+    <p:spTree>
+      <p:nvGrpSpPr>
+        <p:cNvPr id="1" name=""/>
+        <p:cNvGrpSpPr/>
+        <p:nvPr/>
+      </p:nvGrpSpPr>
+      <p:grpSpPr>
+        <a:xfrm>
+          <a:off x="0" y="0"/>
+          <a:ext cx="0" cy="0"/>
+          <a:chOff x="0" y="0"/>
+          <a:chExt cx="0" cy="0"/>
+        </a:xfrm>
+      </p:grpSpPr>
+      <p:sp>
+        <p:nvSpPr>
+          <p:cNvPr id="2" name="标题 1">
+            <a:extLst>
+              <a:ext uri="{FF2B5EF4-FFF2-40B4-BE49-F238E27FC236}">
+                <a16:creationId xmlns:a16="http://schemas.microsoft.com/office/drawing/2014/main" id="{D8063CB9-4305-46BF-9DC6-212FB02FF0AD}"/>
+              </a:ext>
+            </a:extLst>
+          </p:cNvPr>
+          <p:cNvSpPr>
+            <a:spLocks noGrp="1"/>
+          </p:cNvSpPr>
+          <p:nvPr>
+            <p:ph type="title"/>
+          </p:nvPr>
+        </p:nvSpPr>
+        <p:spPr/>
+        <p:txBody>
+          <a:bodyPr/>
+          <a:lstStyle/>
+          <a:p>
+            <a:pPr algn="ctr"/>
+            <a:r>
+              <a:rPr lang="zh-CN" altLang="en-US" dirty="0"/>
+              <a:t>关于事件循环和单线程并发</a:t>
+            </a:r>
+          </a:p>
+        </p:txBody>
+      </p:sp>
+      <p:sp>
+        <p:nvSpPr>
+          <p:cNvPr id="3" name="内容占位符 2">
+            <a:extLst>
+              <a:ext uri="{FF2B5EF4-FFF2-40B4-BE49-F238E27FC236}">
+                <a16:creationId xmlns:a16="http://schemas.microsoft.com/office/drawing/2014/main" id="{97EC37A5-37A5-4D4E-94F7-E6DD19F43EAA}"/>
+              </a:ext>
+            </a:extLst>
+          </p:cNvPr>
+          <p:cNvSpPr>
+            <a:spLocks noGrp="1"/>
+          </p:cNvSpPr>
+          <p:nvPr>
+            <p:ph idx="1"/>
+          </p:nvPr>
+        </p:nvSpPr>
+        <p:spPr/>
+        <p:txBody>
+          <a:bodyPr/>
+          <a:lstStyle/>
+          <a:p>
+            <a:endParaRPr lang="zh-CN" altLang="en-US"/>
+          </a:p>
+        </p:txBody>
+      </p:sp>
+    </p:spTree>
+    <p:extLst>
+      <p:ext uri="{BB962C8B-B14F-4D97-AF65-F5344CB8AC3E}">
+        <p14:creationId xmlns:p14="http://schemas.microsoft.com/office/powerpoint/2010/main" val="3181949097"/>
+      </p:ext>
+    </p:extLst>
+  </p:cSld>
+  <p:clrMapOvr>
+    <a:masterClrMapping/>
+  </p:clrMapOvr>
+</p:sld>
+</file>
+
+<file path=ppt/slides/slide9.xml><?xml version="1.0" encoding="utf-8"?>
+<p:sld xmlns:a="http://schemas.openxmlformats.org/drawingml/2006/main" xmlns:r="http://schemas.openxmlformats.org/officeDocument/2006/relationships" xmlns:p="http://schemas.openxmlformats.org/presentationml/2006/main">
+  <p:cSld>
+    <p:spTree>
+      <p:nvGrpSpPr>
+        <p:cNvPr id="1" name=""/>
+        <p:cNvGrpSpPr/>
+        <p:nvPr/>
+      </p:nvGrpSpPr>
+      <p:grpSpPr>
+        <a:xfrm>
+          <a:off x="0" y="0"/>
+          <a:ext cx="0" cy="0"/>
+          <a:chOff x="0" y="0"/>
+          <a:chExt cx="0" cy="0"/>
+        </a:xfrm>
+      </p:grpSpPr>
+      <p:sp>
+        <p:nvSpPr>
+          <p:cNvPr id="2" name="标题 1">
+            <a:extLst>
+              <a:ext uri="{FF2B5EF4-FFF2-40B4-BE49-F238E27FC236}">
+                <a16:creationId xmlns:a16="http://schemas.microsoft.com/office/drawing/2014/main" id="{729997A1-2B8E-4B9A-9C9A-ABD7FD320C91}"/>
+              </a:ext>
+            </a:extLst>
+          </p:cNvPr>
+          <p:cNvSpPr>
+            <a:spLocks noGrp="1"/>
+          </p:cNvSpPr>
+          <p:nvPr>
+            <p:ph type="title"/>
+          </p:nvPr>
+        </p:nvSpPr>
+        <p:spPr/>
+        <p:txBody>
+          <a:bodyPr/>
+          <a:lstStyle/>
+          <a:p>
+            <a:pPr algn="ctr"/>
+            <a:r>
+              <a:rPr lang="zh-CN" altLang="en-US" dirty="0"/>
+              <a:t>关于</a:t>
+            </a:r>
+            <a:r>
+              <a:rPr lang="en-US" altLang="zh-CN" dirty="0"/>
+              <a:t>JSON</a:t>
+            </a:r>
+            <a:endParaRPr lang="zh-CN" altLang="en-US" dirty="0"/>
+          </a:p>
+        </p:txBody>
+      </p:sp>
+      <p:sp>
+        <p:nvSpPr>
+          <p:cNvPr id="3" name="内容占位符 2">
+            <a:extLst>
+              <a:ext uri="{FF2B5EF4-FFF2-40B4-BE49-F238E27FC236}">
+                <a16:creationId xmlns:a16="http://schemas.microsoft.com/office/drawing/2014/main" id="{0C6BF6BD-1B02-4E50-9C1C-B2B838908626}"/>
+              </a:ext>
+            </a:extLst>
+          </p:cNvPr>
+          <p:cNvSpPr>
+            <a:spLocks noGrp="1"/>
+          </p:cNvSpPr>
+          <p:nvPr>
+            <p:ph idx="1"/>
+          </p:nvPr>
+        </p:nvSpPr>
+        <p:spPr/>
+        <p:txBody>
+          <a:bodyPr/>
+          <a:lstStyle/>
+          <a:p>
+            <a:endParaRPr lang="zh-CN" altLang="en-US" dirty="0"/>
+          </a:p>
+        </p:txBody>
+      </p:sp>
+    </p:spTree>
+    <p:extLst>
+      <p:ext uri="{BB962C8B-B14F-4D97-AF65-F5344CB8AC3E}">
+        <p14:creationId xmlns:p14="http://schemas.microsoft.com/office/powerpoint/2010/main" val="3917344994"/>
       </p:ext>
     </p:extLst>
   </p:cSld>

--- a/word/答辩.pptx
+++ b/word/答辩.pptx
@@ -3502,7 +3502,107 @@
           <a:bodyPr/>
           <a:lstStyle/>
           <a:p>
-            <a:endParaRPr lang="zh-CN" altLang="en-US" dirty="0"/>
+            <a:pPr>
+              <a:lnSpc>
+                <a:spcPct val="150000"/>
+              </a:lnSpc>
+            </a:pPr>
+            <a:r>
+              <a:rPr lang="en-US" altLang="zh-CN" dirty="0" err="1"/>
+              <a:t>D3</a:t>
+            </a:r>
+            <a:r>
+              <a:rPr lang="en-US" altLang="zh-CN" dirty="0"/>
+              <a:t> </a:t>
+            </a:r>
+            <a:r>
+              <a:rPr lang="zh-CN" altLang="en-US" dirty="0"/>
+              <a:t>（</a:t>
+            </a:r>
+            <a:r>
+              <a:rPr lang="en-US" altLang="zh-CN" dirty="0"/>
+              <a:t>Data-Driven Documents</a:t>
+            </a:r>
+            <a:r>
+              <a:rPr lang="zh-CN" altLang="en-US" dirty="0"/>
+              <a:t>）数据驱动文档</a:t>
+            </a:r>
+            <a:endParaRPr lang="en-US" altLang="zh-CN" dirty="0"/>
+          </a:p>
+          <a:p>
+            <a:pPr>
+              <a:lnSpc>
+                <a:spcPct val="150000"/>
+              </a:lnSpc>
+            </a:pPr>
+            <a:r>
+              <a:rPr lang="en-US" altLang="zh-CN" dirty="0" err="1"/>
+              <a:t>D3</a:t>
+            </a:r>
+            <a:r>
+              <a:rPr lang="zh-CN" altLang="en-US" dirty="0"/>
+              <a:t>是基于数据的文档操作</a:t>
+            </a:r>
+            <a:r>
+              <a:rPr lang="en-US" altLang="zh-CN" dirty="0"/>
+              <a:t>JavaScript</a:t>
+            </a:r>
+            <a:r>
+              <a:rPr lang="zh-CN" altLang="en-US" dirty="0"/>
+              <a:t>库，</a:t>
+            </a:r>
+            <a:r>
+              <a:rPr lang="en-US" altLang="zh-CN" dirty="0" err="1"/>
+              <a:t>D3</a:t>
+            </a:r>
+            <a:r>
+              <a:rPr lang="zh-CN" altLang="en-US" dirty="0"/>
+              <a:t>能够把数据和</a:t>
+            </a:r>
+            <a:r>
+              <a:rPr lang="en-US" altLang="zh-CN" dirty="0"/>
+              <a:t>HTML</a:t>
+            </a:r>
+            <a:r>
+              <a:rPr lang="zh-CN" altLang="en-US" dirty="0"/>
+              <a:t>、</a:t>
+            </a:r>
+            <a:r>
+              <a:rPr lang="en-US" altLang="zh-CN" dirty="0"/>
+              <a:t>SVG</a:t>
+            </a:r>
+            <a:r>
+              <a:rPr lang="zh-CN" altLang="en-US" dirty="0"/>
+              <a:t>、</a:t>
+            </a:r>
+            <a:r>
+              <a:rPr lang="en-US" altLang="zh-CN" dirty="0"/>
+              <a:t>CSS</a:t>
+            </a:r>
+            <a:r>
+              <a:rPr lang="zh-CN" altLang="en-US" dirty="0"/>
+              <a:t>结合起来，创造出可交互的数据图表。</a:t>
+            </a:r>
+            <a:endParaRPr lang="en-US" altLang="zh-CN" dirty="0"/>
+          </a:p>
+          <a:p>
+            <a:pPr>
+              <a:lnSpc>
+                <a:spcPct val="150000"/>
+              </a:lnSpc>
+            </a:pPr>
+            <a:r>
+              <a:rPr lang="zh-CN" altLang="en-US" dirty="0"/>
+              <a:t>与其他的类库相比，</a:t>
+            </a:r>
+            <a:r>
+              <a:rPr lang="en-US" altLang="zh-CN" dirty="0" err="1"/>
+              <a:t>D3</a:t>
+            </a:r>
+            <a:r>
+              <a:rPr lang="zh-CN" altLang="en-US" dirty="0"/>
+              <a:t>对视图结果有很大的可控性。</a:t>
+            </a:r>
           </a:p>
         </p:txBody>
       </p:sp>
@@ -3591,7 +3691,62 @@
           <a:bodyPr/>
           <a:lstStyle/>
           <a:p>
-            <a:endParaRPr lang="zh-CN" altLang="en-US"/>
+            <a:r>
+              <a:rPr lang="zh-CN" altLang="en-US" dirty="0"/>
+              <a:t>面向文档的数据库管理系统，由</a:t>
+            </a:r>
+            <a:r>
+              <a:rPr lang="en-US" altLang="zh-CN" dirty="0"/>
+              <a:t>C++</a:t>
+            </a:r>
+            <a:r>
+              <a:rPr lang="zh-CN" altLang="en-US" dirty="0"/>
+              <a:t>撰写而成。</a:t>
+            </a:r>
+            <a:endParaRPr lang="en-US" altLang="zh-CN" dirty="0"/>
+          </a:p>
+          <a:p>
+            <a:r>
+              <a:rPr lang="zh-CN" altLang="en-US" dirty="0"/>
+              <a:t>支持的数据结构非常松散，是类似</a:t>
+            </a:r>
+            <a:r>
+              <a:rPr lang="en-US" altLang="zh-CN" dirty="0"/>
+              <a:t>JSON</a:t>
+            </a:r>
+            <a:r>
+              <a:rPr lang="zh-CN" altLang="en-US" dirty="0"/>
+              <a:t>的</a:t>
+            </a:r>
+            <a:r>
+              <a:rPr lang="en-US" altLang="zh-CN" dirty="0" err="1"/>
+              <a:t>BSON</a:t>
+            </a:r>
+            <a:r>
+              <a:rPr lang="zh-CN" altLang="en-US" dirty="0"/>
+              <a:t>格式，因此可以存储比较复杂的数据类型。</a:t>
+            </a:r>
+            <a:endParaRPr lang="en-US" altLang="zh-CN" dirty="0"/>
+          </a:p>
+          <a:p>
+            <a:r>
+              <a:rPr lang="zh-CN" altLang="en-US" dirty="0"/>
+              <a:t>支持的查询语言非常强大，其语法有点类似于面向对象的查询语言。</a:t>
+            </a:r>
+            <a:endParaRPr lang="en-US" altLang="zh-CN" dirty="0"/>
+          </a:p>
+          <a:p>
+            <a:r>
+              <a:rPr lang="zh-CN" altLang="en-US" dirty="0"/>
+              <a:t>可以实现类似关系数据库单表查询的绝大部分功能，而且还支持对数据建立索引。</a:t>
+            </a:r>
+            <a:endParaRPr lang="en-US" altLang="zh-CN" dirty="0"/>
+          </a:p>
+          <a:p>
+            <a:r>
+              <a:rPr lang="zh-CN" altLang="en-US" dirty="0"/>
+              <a:t>面向集合存储，易存储对象类型的数据，模式自由，支持完全索引，包含内部对象。</a:t>
+            </a:r>
           </a:p>
         </p:txBody>
       </p:sp>
@@ -4399,10 +4554,153 @@
         </p:nvSpPr>
         <p:spPr/>
         <p:txBody>
-          <a:bodyPr/>
-          <a:lstStyle/>
-          <a:p>
-            <a:endParaRPr lang="zh-CN" altLang="en-US" dirty="0"/>
+          <a:bodyPr>
+            <a:normAutofit fontScale="92500" lnSpcReduction="10000"/>
+          </a:bodyPr>
+          <a:lstStyle/>
+          <a:p>
+            <a:pPr marL="0" indent="0">
+              <a:lnSpc>
+                <a:spcPct val="150000"/>
+              </a:lnSpc>
+              <a:buNone/>
+            </a:pPr>
+            <a:r>
+              <a:rPr lang="en-US" altLang="zh-CN" dirty="0"/>
+              <a:t>Node.js </a:t>
+            </a:r>
+            <a:r>
+              <a:rPr lang="zh-CN" altLang="en-US" dirty="0"/>
+              <a:t>是一个基于 </a:t>
+            </a:r>
+            <a:r>
+              <a:rPr lang="en-US" altLang="zh-CN" dirty="0"/>
+              <a:t>Chrome </a:t>
+            </a:r>
+            <a:r>
+              <a:rPr lang="en-US" altLang="zh-CN" dirty="0" err="1"/>
+              <a:t>V8</a:t>
+            </a:r>
+            <a:r>
+              <a:rPr lang="en-US" altLang="zh-CN" dirty="0"/>
+              <a:t> </a:t>
+            </a:r>
+            <a:r>
+              <a:rPr lang="zh-CN" altLang="en-US" dirty="0"/>
+              <a:t>引擎的 </a:t>
+            </a:r>
+            <a:r>
+              <a:rPr lang="en-US" altLang="zh-CN" dirty="0"/>
+              <a:t>JavaScript </a:t>
+            </a:r>
+            <a:r>
+              <a:rPr lang="zh-CN" altLang="en-US" dirty="0"/>
+              <a:t>运行环境。</a:t>
+            </a:r>
+            <a:endParaRPr lang="en-US" altLang="zh-CN" dirty="0"/>
+          </a:p>
+          <a:p>
+            <a:pPr marL="0" indent="0">
+              <a:lnSpc>
+                <a:spcPct val="150000"/>
+              </a:lnSpc>
+              <a:buNone/>
+            </a:pPr>
+            <a:r>
+              <a:rPr lang="en-US" altLang="zh-CN" dirty="0"/>
+              <a:t>Node.js</a:t>
+            </a:r>
+            <a:r>
+              <a:rPr lang="zh-CN" altLang="en-US" dirty="0"/>
+              <a:t>与</a:t>
+            </a:r>
+            <a:r>
+              <a:rPr lang="en-US" altLang="zh-CN" dirty="0"/>
+              <a:t>JavaScript</a:t>
+            </a:r>
+            <a:r>
+              <a:rPr lang="zh-CN" altLang="en-US" dirty="0"/>
+              <a:t>的关系，类似于</a:t>
+            </a:r>
+            <a:r>
+              <a:rPr lang="en-US" altLang="zh-CN" dirty="0"/>
+              <a:t>Java</a:t>
+            </a:r>
+            <a:r>
+              <a:rPr lang="zh-CN" altLang="en-US" dirty="0"/>
+              <a:t>虚拟机与</a:t>
+            </a:r>
+            <a:r>
+              <a:rPr lang="en-US" altLang="zh-CN" dirty="0"/>
+              <a:t>Java</a:t>
+            </a:r>
+            <a:r>
+              <a:rPr lang="zh-CN" altLang="en-US" dirty="0"/>
+              <a:t>的关系。 </a:t>
+            </a:r>
+            <a:br>
+              <a:rPr lang="zh-CN" altLang="en-US" dirty="0"/>
+            </a:br>
+            <a:r>
+              <a:rPr lang="en-US" altLang="zh-CN" dirty="0"/>
+              <a:t>Node.js </a:t>
+            </a:r>
+            <a:r>
+              <a:rPr lang="zh-CN" altLang="en-US" dirty="0"/>
+              <a:t>使用了一个事件驱动、非阻塞式 </a:t>
+            </a:r>
+            <a:r>
+              <a:rPr lang="en-US" altLang="zh-CN" dirty="0"/>
+              <a:t>I/O </a:t>
+            </a:r>
+            <a:r>
+              <a:rPr lang="zh-CN" altLang="en-US" dirty="0"/>
+              <a:t>的模型，使其轻量又高效。 </a:t>
+            </a:r>
+            <a:br>
+              <a:rPr lang="zh-CN" altLang="en-US" dirty="0"/>
+            </a:br>
+            <a:r>
+              <a:rPr lang="en-US" altLang="zh-CN" dirty="0"/>
+              <a:t>Node.js </a:t>
+            </a:r>
+            <a:r>
+              <a:rPr lang="zh-CN" altLang="en-US" dirty="0"/>
+              <a:t>的包管理器 </a:t>
+            </a:r>
+            <a:r>
+              <a:rPr lang="en-US" altLang="zh-CN" dirty="0" err="1"/>
+              <a:t>npm</a:t>
+            </a:r>
+            <a:r>
+              <a:rPr lang="zh-CN" altLang="en-US" dirty="0"/>
+              <a:t>，是全球最大的开源库生态系统。</a:t>
+            </a:r>
+            <a:endParaRPr lang="en-US" altLang="zh-CN" dirty="0"/>
+          </a:p>
+          <a:p>
+            <a:pPr marL="0" indent="0">
+              <a:lnSpc>
+                <a:spcPct val="150000"/>
+              </a:lnSpc>
+              <a:buNone/>
+            </a:pPr>
+            <a:r>
+              <a:rPr lang="en-US" altLang="zh-CN" dirty="0"/>
+              <a:t>Node.js</a:t>
+            </a:r>
+            <a:r>
+              <a:rPr lang="zh-CN" altLang="en-US" dirty="0"/>
+              <a:t>是现在前端工程化，模块化的基石，许多的前端工具和框架都运行与</a:t>
+            </a:r>
+            <a:r>
+              <a:rPr lang="en-US" altLang="zh-CN" dirty="0"/>
+              <a:t>Node.js</a:t>
+            </a:r>
+            <a:r>
+              <a:rPr lang="zh-CN" altLang="en-US" dirty="0"/>
+              <a:t>之上</a:t>
+            </a:r>
           </a:p>
         </p:txBody>
       </p:sp>
@@ -4486,7 +4784,108 @@
           <a:bodyPr/>
           <a:lstStyle/>
           <a:p>
-            <a:endParaRPr lang="zh-CN" altLang="en-US"/>
+            <a:r>
+              <a:rPr lang="zh-CN" altLang="en-US" dirty="0"/>
+              <a:t>事件循环是异步的一种实现方式</a:t>
+            </a:r>
+            <a:endParaRPr lang="en-US" altLang="zh-CN" dirty="0"/>
+          </a:p>
+          <a:p>
+            <a:r>
+              <a:rPr lang="zh-CN" altLang="en-US" dirty="0"/>
+              <a:t>异步非阻塞与常见的同步阻塞式编程语言有较大的区别</a:t>
+            </a:r>
+            <a:endParaRPr lang="en-US" altLang="zh-CN" dirty="0"/>
+          </a:p>
+          <a:p>
+            <a:r>
+              <a:rPr lang="zh-CN" altLang="en-US" dirty="0"/>
+              <a:t>通过维护事件队列来控制程序的</a:t>
+            </a:r>
+            <a:r>
+              <a:rPr lang="en-US" altLang="zh-CN" dirty="0"/>
+              <a:t>IO</a:t>
+            </a:r>
+            <a:r>
+              <a:rPr lang="zh-CN" altLang="en-US" dirty="0"/>
+              <a:t>和执行</a:t>
+            </a:r>
+            <a:endParaRPr lang="en-US" altLang="zh-CN" dirty="0"/>
+          </a:p>
+          <a:p>
+            <a:endParaRPr lang="en-US" altLang="zh-CN" dirty="0"/>
+          </a:p>
+          <a:p>
+            <a:r>
+              <a:rPr lang="zh-CN" altLang="en-US" dirty="0"/>
+              <a:t>单线程并发的典型：</a:t>
+            </a:r>
+            <a:r>
+              <a:rPr lang="en-US" altLang="zh-CN" dirty="0"/>
+              <a:t>Nginx</a:t>
+            </a:r>
+            <a:r>
+              <a:rPr lang="zh-CN" altLang="en-US" dirty="0"/>
+              <a:t>服务器</a:t>
+            </a:r>
+            <a:endParaRPr lang="en-US" altLang="zh-CN" dirty="0"/>
+          </a:p>
+          <a:p>
+            <a:r>
+              <a:rPr lang="en-US" altLang="zh-CN" dirty="0"/>
+              <a:t>Nginx</a:t>
+            </a:r>
+            <a:r>
+              <a:rPr lang="zh-CN" altLang="en-US" dirty="0"/>
+              <a:t>服务器比</a:t>
+            </a:r>
+            <a:r>
+              <a:rPr lang="en-US" altLang="zh-CN" dirty="0"/>
+              <a:t>Apache</a:t>
+            </a:r>
+            <a:r>
+              <a:rPr lang="zh-CN" altLang="en-US" dirty="0"/>
+              <a:t>服务器并发高的原因就是采取了异步</a:t>
+            </a:r>
+            <a:r>
+              <a:rPr lang="en-US" altLang="zh-CN" dirty="0"/>
+              <a:t>IO</a:t>
+            </a:r>
+            <a:r>
+              <a:rPr lang="zh-CN" altLang="en-US" dirty="0"/>
+              <a:t>的模型</a:t>
+            </a:r>
+            <a:endParaRPr lang="en-US" altLang="zh-CN" dirty="0"/>
+          </a:p>
+          <a:p>
+            <a:r>
+              <a:rPr lang="zh-CN" altLang="en-US" dirty="0"/>
+              <a:t>淘宝的</a:t>
+            </a:r>
+            <a:r>
+              <a:rPr lang="en-US" altLang="zh-CN" dirty="0"/>
+              <a:t>Web</a:t>
+            </a:r>
+            <a:r>
+              <a:rPr lang="zh-CN" altLang="en-US" dirty="0"/>
+              <a:t>服务器</a:t>
+            </a:r>
+            <a:r>
+              <a:rPr lang="en-US" altLang="zh-CN" dirty="0" err="1"/>
+              <a:t>Tengine</a:t>
+            </a:r>
+            <a:r>
+              <a:rPr lang="zh-CN" altLang="en-US" dirty="0"/>
+              <a:t>就是在</a:t>
+            </a:r>
+            <a:r>
+              <a:rPr lang="en-US" altLang="zh-CN" dirty="0"/>
+              <a:t>Nginx</a:t>
+            </a:r>
+            <a:r>
+              <a:rPr lang="zh-CN" altLang="en-US" dirty="0"/>
+              <a:t>的基础上改进的</a:t>
+            </a:r>
           </a:p>
         </p:txBody>
       </p:sp>
@@ -4575,7 +4974,103 @@
           <a:bodyPr/>
           <a:lstStyle/>
           <a:p>
-            <a:endParaRPr lang="zh-CN" altLang="en-US" dirty="0"/>
+            <a:pPr>
+              <a:lnSpc>
+                <a:spcPct val="150000"/>
+              </a:lnSpc>
+            </a:pPr>
+            <a:r>
+              <a:rPr lang="en-US" altLang="zh-CN" dirty="0"/>
+              <a:t>JSON(JavaScript Object Notation) </a:t>
+            </a:r>
+            <a:r>
+              <a:rPr lang="zh-CN" altLang="en-US" dirty="0"/>
+              <a:t>是一种轻量级的数据交换格式</a:t>
+            </a:r>
+            <a:endParaRPr lang="en-US" altLang="zh-CN" dirty="0"/>
+          </a:p>
+          <a:p>
+            <a:pPr>
+              <a:lnSpc>
+                <a:spcPct val="150000"/>
+              </a:lnSpc>
+            </a:pPr>
+            <a:r>
+              <a:rPr lang="zh-CN" altLang="en-US" dirty="0"/>
+              <a:t>易于人阅读和编写。</a:t>
+            </a:r>
+            <a:endParaRPr lang="en-US" altLang="zh-CN" dirty="0"/>
+          </a:p>
+          <a:p>
+            <a:pPr>
+              <a:lnSpc>
+                <a:spcPct val="150000"/>
+              </a:lnSpc>
+            </a:pPr>
+            <a:r>
+              <a:rPr lang="zh-CN" altLang="en-US" dirty="0"/>
+              <a:t>易于机器解析和生成。</a:t>
+            </a:r>
+            <a:endParaRPr lang="en-US" altLang="zh-CN" dirty="0"/>
+          </a:p>
+          <a:p>
+            <a:pPr>
+              <a:lnSpc>
+                <a:spcPct val="150000"/>
+              </a:lnSpc>
+            </a:pPr>
+            <a:r>
+              <a:rPr lang="en-US" altLang="zh-CN" dirty="0"/>
+              <a:t>JSON</a:t>
+            </a:r>
+            <a:r>
+              <a:rPr lang="zh-CN" altLang="en-US" dirty="0"/>
+              <a:t>是</a:t>
+            </a:r>
+            <a:r>
+              <a:rPr lang="en-US" altLang="zh-CN" dirty="0"/>
+              <a:t>Douglas </a:t>
+            </a:r>
+            <a:r>
+              <a:rPr lang="en-US" altLang="zh-CN" dirty="0" err="1"/>
+              <a:t>Crockford</a:t>
+            </a:r>
+            <a:r>
+              <a:rPr lang="zh-CN" altLang="en-US" dirty="0"/>
+              <a:t>在</a:t>
+            </a:r>
+            <a:r>
+              <a:rPr lang="en-US" altLang="zh-CN" dirty="0"/>
+              <a:t>2001</a:t>
+            </a:r>
+            <a:r>
+              <a:rPr lang="zh-CN" altLang="en-US" dirty="0"/>
+              <a:t>年开始推广使用的数据格式，在</a:t>
+            </a:r>
+            <a:r>
+              <a:rPr lang="en-US" altLang="zh-CN" dirty="0"/>
+              <a:t>2005</a:t>
+            </a:r>
+            <a:r>
+              <a:rPr lang="zh-CN" altLang="en-US" dirty="0"/>
+              <a:t>年</a:t>
+            </a:r>
+            <a:r>
+              <a:rPr lang="en-US" altLang="zh-CN" dirty="0"/>
+              <a:t>-2006</a:t>
+            </a:r>
+            <a:r>
+              <a:rPr lang="zh-CN" altLang="en-US" dirty="0"/>
+              <a:t>年正式成为主流的数据格式，雅虎和谷歌就在那时候开始广泛地使用</a:t>
+            </a:r>
+            <a:r>
+              <a:rPr lang="en-US" altLang="zh-CN" dirty="0"/>
+              <a:t>JSON</a:t>
+            </a:r>
+            <a:r>
+              <a:rPr lang="zh-CN" altLang="en-US" dirty="0"/>
+              <a:t>格式。</a:t>
+            </a:r>
           </a:p>
         </p:txBody>
       </p:sp>
